--- a/財務報告.pptx
+++ b/財務報告.pptx
@@ -112,6 +112,11 @@
       </a:defRPr>
     </a:lvl9pPr>
   </p:defaultTextStyle>
+  <p:extLst>
+    <p:ext uri="{EFAFB233-063F-42B5-8137-9DF3F51BA10A}">
+      <p15:sldGuideLst xmlns:p15="http://schemas.microsoft.com/office/powerpoint/2012/main"/>
+    </p:ext>
+  </p:extLst>
 </p:presentation>
 </file>
 
@@ -197,7 +202,7 @@
           <a:p>
             <a:fld id="{290046BE-6015-4E88-BCAE-50CF6F4333B9}" type="datetimeFigureOut">
               <a:rPr lang="vi-VN" smtClean="0"/>
-              <a:t>09/01/2021</a:t>
+              <a:t>08/05/2021</a:t>
             </a:fld>
             <a:endParaRPr lang="vi-VN"/>
           </a:p>
@@ -736,7 +741,7 @@
           <a:p>
             <a:fld id="{D9020900-C579-47D4-8C72-CEF7582ADC9E}" type="datetimeFigureOut">
               <a:rPr lang="vi-VN" smtClean="0"/>
-              <a:t>09/01/2021</a:t>
+              <a:t>08/05/2021</a:t>
             </a:fld>
             <a:endParaRPr lang="vi-VN"/>
           </a:p>
@@ -906,7 +911,7 @@
           <a:p>
             <a:fld id="{D9020900-C579-47D4-8C72-CEF7582ADC9E}" type="datetimeFigureOut">
               <a:rPr lang="vi-VN" smtClean="0"/>
-              <a:t>09/01/2021</a:t>
+              <a:t>08/05/2021</a:t>
             </a:fld>
             <a:endParaRPr lang="vi-VN"/>
           </a:p>
@@ -1086,7 +1091,7 @@
           <a:p>
             <a:fld id="{D9020900-C579-47D4-8C72-CEF7582ADC9E}" type="datetimeFigureOut">
               <a:rPr lang="vi-VN" smtClean="0"/>
-              <a:t>09/01/2021</a:t>
+              <a:t>08/05/2021</a:t>
             </a:fld>
             <a:endParaRPr lang="vi-VN"/>
           </a:p>
@@ -1256,7 +1261,7 @@
           <a:p>
             <a:fld id="{D9020900-C579-47D4-8C72-CEF7582ADC9E}" type="datetimeFigureOut">
               <a:rPr lang="vi-VN" smtClean="0"/>
-              <a:t>09/01/2021</a:t>
+              <a:t>08/05/2021</a:t>
             </a:fld>
             <a:endParaRPr lang="vi-VN"/>
           </a:p>
@@ -1502,7 +1507,7 @@
           <a:p>
             <a:fld id="{D9020900-C579-47D4-8C72-CEF7582ADC9E}" type="datetimeFigureOut">
               <a:rPr lang="vi-VN" smtClean="0"/>
-              <a:t>09/01/2021</a:t>
+              <a:t>08/05/2021</a:t>
             </a:fld>
             <a:endParaRPr lang="vi-VN"/>
           </a:p>
@@ -1790,7 +1795,7 @@
           <a:p>
             <a:fld id="{D9020900-C579-47D4-8C72-CEF7582ADC9E}" type="datetimeFigureOut">
               <a:rPr lang="vi-VN" smtClean="0"/>
-              <a:t>09/01/2021</a:t>
+              <a:t>08/05/2021</a:t>
             </a:fld>
             <a:endParaRPr lang="vi-VN"/>
           </a:p>
@@ -2212,7 +2217,7 @@
           <a:p>
             <a:fld id="{D9020900-C579-47D4-8C72-CEF7582ADC9E}" type="datetimeFigureOut">
               <a:rPr lang="vi-VN" smtClean="0"/>
-              <a:t>09/01/2021</a:t>
+              <a:t>08/05/2021</a:t>
             </a:fld>
             <a:endParaRPr lang="vi-VN"/>
           </a:p>
@@ -2330,7 +2335,7 @@
           <a:p>
             <a:fld id="{D9020900-C579-47D4-8C72-CEF7582ADC9E}" type="datetimeFigureOut">
               <a:rPr lang="vi-VN" smtClean="0"/>
-              <a:t>09/01/2021</a:t>
+              <a:t>08/05/2021</a:t>
             </a:fld>
             <a:endParaRPr lang="vi-VN"/>
           </a:p>
@@ -2425,7 +2430,7 @@
           <a:p>
             <a:fld id="{D9020900-C579-47D4-8C72-CEF7582ADC9E}" type="datetimeFigureOut">
               <a:rPr lang="vi-VN" smtClean="0"/>
-              <a:t>09/01/2021</a:t>
+              <a:t>08/05/2021</a:t>
             </a:fld>
             <a:endParaRPr lang="vi-VN"/>
           </a:p>
@@ -2702,7 +2707,7 @@
           <a:p>
             <a:fld id="{D9020900-C579-47D4-8C72-CEF7582ADC9E}" type="datetimeFigureOut">
               <a:rPr lang="vi-VN" smtClean="0"/>
-              <a:t>09/01/2021</a:t>
+              <a:t>08/05/2021</a:t>
             </a:fld>
             <a:endParaRPr lang="vi-VN"/>
           </a:p>
@@ -2959,7 +2964,7 @@
           <a:p>
             <a:fld id="{D9020900-C579-47D4-8C72-CEF7582ADC9E}" type="datetimeFigureOut">
               <a:rPr lang="vi-VN" smtClean="0"/>
-              <a:t>09/01/2021</a:t>
+              <a:t>08/05/2021</a:t>
             </a:fld>
             <a:endParaRPr lang="vi-VN"/>
           </a:p>
@@ -3177,7 +3182,7 @@
           <a:p>
             <a:fld id="{D9020900-C579-47D4-8C72-CEF7582ADC9E}" type="datetimeFigureOut">
               <a:rPr lang="vi-VN" smtClean="0"/>
-              <a:t>09/01/2021</a:t>
+              <a:t>08/05/2021</a:t>
             </a:fld>
             <a:endParaRPr lang="vi-VN"/>
           </a:p>
@@ -3582,63 +3587,82 @@
             <a:r>
               <a:rPr lang="zh-CN" altLang="en-US" sz="7333" b="1" dirty="0">
                 <a:solidFill>
-                  <a:schemeClr val="accent6">
-                    <a:lumMod val="50000"/>
-                  </a:schemeClr>
+                  <a:srgbClr val="000066"/>
                 </a:solidFill>
+                <a:effectLst>
+                  <a:outerShdw blurRad="38100" dist="38100" dir="2700000" algn="tl">
+                    <a:srgbClr val="000000">
+                      <a:alpha val="43137"/>
+                    </a:srgbClr>
+                  </a:outerShdw>
+                </a:effectLst>
                 <a:latin typeface="Microsoft JhengHei" panose="020B0604030504040204" pitchFamily="34" charset="-120"/>
                 <a:ea typeface="Microsoft JhengHei" panose="020B0604030504040204" pitchFamily="34" charset="-120"/>
               </a:rPr>
-              <a:t>宣道會梁</a:t>
-            </a:r>
-            <a:r>
-              <a:rPr lang="zh-CN" altLang="en-US" sz="7333" b="1" dirty="0">
-                <a:solidFill>
-                  <a:schemeClr val="accent6">
-                    <a:lumMod val="50000"/>
-                  </a:schemeClr>
-                </a:solidFill>
-                <a:latin typeface="Microsoft JhengHei" panose="020B0604030504040204" pitchFamily="34" charset="-120"/>
-                <a:ea typeface="Microsoft JhengHei" panose="020B0604030504040204" pitchFamily="34" charset="-120"/>
-              </a:rPr>
-              <a:t>汝學堂</a:t>
+              <a:t>宣道會梁汝學堂</a:t>
             </a:r>
             <a:r>
               <a:rPr lang="en-US" altLang="zh-CN" sz="7333" b="1" dirty="0">
                 <a:solidFill>
-                  <a:schemeClr val="accent6">
-                    <a:lumMod val="50000"/>
-                  </a:schemeClr>
+                  <a:srgbClr val="000066"/>
                 </a:solidFill>
+                <a:effectLst>
+                  <a:outerShdw blurRad="38100" dist="38100" dir="2700000" algn="tl">
+                    <a:srgbClr val="000000">
+                      <a:alpha val="43137"/>
+                    </a:srgbClr>
+                  </a:outerShdw>
+                </a:effectLst>
+                <a:latin typeface="Microsoft JhengHei" panose="020B0604030504040204" pitchFamily="34" charset="-120"/>
+                <a:ea typeface="Microsoft JhengHei" panose="020B0604030504040204" pitchFamily="34" charset="-120"/>
               </a:rPr>
               <a:t/>
             </a:r>
             <a:br>
               <a:rPr lang="en-US" altLang="zh-CN" sz="7333" b="1" dirty="0">
                 <a:solidFill>
-                  <a:schemeClr val="accent6">
-                    <a:lumMod val="50000"/>
-                  </a:schemeClr>
+                  <a:srgbClr val="000066"/>
                 </a:solidFill>
+                <a:effectLst>
+                  <a:outerShdw blurRad="38100" dist="38100" dir="2700000" algn="tl">
+                    <a:srgbClr val="000000">
+                      <a:alpha val="43137"/>
+                    </a:srgbClr>
+                  </a:outerShdw>
+                </a:effectLst>
+                <a:latin typeface="Microsoft JhengHei" panose="020B0604030504040204" pitchFamily="34" charset="-120"/>
+                <a:ea typeface="Microsoft JhengHei" panose="020B0604030504040204" pitchFamily="34" charset="-120"/>
               </a:rPr>
             </a:br>
             <a:r>
               <a:rPr lang="en-US" sz="7333" b="1" dirty="0">
                 <a:solidFill>
-                  <a:schemeClr val="accent6">
-                    <a:lumMod val="50000"/>
-                  </a:schemeClr>
+                  <a:srgbClr val="000066"/>
                 </a:solidFill>
+                <a:effectLst>
+                  <a:outerShdw blurRad="38100" dist="38100" dir="2700000" algn="tl">
+                    <a:srgbClr val="000000">
+                      <a:alpha val="43137"/>
+                    </a:srgbClr>
+                  </a:outerShdw>
+                </a:effectLst>
+                <a:latin typeface="+mn-lt"/>
+                <a:ea typeface="Microsoft JhengHei" panose="020B0604030504040204" pitchFamily="34" charset="-120"/>
               </a:rPr>
               <a:t>2020</a:t>
             </a:r>
             <a:r>
               <a:rPr lang="zh-CN" altLang="en-US" sz="7333" b="1" dirty="0">
                 <a:solidFill>
-                  <a:schemeClr val="accent6">
-                    <a:lumMod val="50000"/>
-                  </a:schemeClr>
+                  <a:srgbClr val="000066"/>
                 </a:solidFill>
+                <a:effectLst>
+                  <a:outerShdw blurRad="38100" dist="38100" dir="2700000" algn="tl">
+                    <a:srgbClr val="000000">
+                      <a:alpha val="43137"/>
+                    </a:srgbClr>
+                  </a:outerShdw>
+                </a:effectLst>
                 <a:latin typeface="Microsoft JhengHei" panose="020B0604030504040204" pitchFamily="34" charset="-120"/>
                 <a:ea typeface="Microsoft JhengHei" panose="020B0604030504040204" pitchFamily="34" charset="-120"/>
               </a:rPr>
@@ -3647,31 +3671,65 @@
             <a:r>
               <a:rPr lang="en-US" altLang="zh-CN" sz="7333" b="1" dirty="0">
                 <a:solidFill>
-                  <a:schemeClr val="accent6">
-                    <a:lumMod val="50000"/>
-                  </a:schemeClr>
+                  <a:srgbClr val="000066"/>
                 </a:solidFill>
+                <a:effectLst>
+                  <a:outerShdw blurRad="38100" dist="38100" dir="2700000" algn="tl">
+                    <a:srgbClr val="000000">
+                      <a:alpha val="43137"/>
+                    </a:srgbClr>
+                  </a:outerShdw>
+                </a:effectLst>
+                <a:latin typeface="+mn-lt"/>
+                <a:ea typeface="Microsoft JhengHei" panose="020B0604030504040204" pitchFamily="34" charset="-120"/>
               </a:rPr>
               <a:t>12</a:t>
             </a:r>
             <a:r>
-              <a:rPr lang="zh-CN" altLang="en-US" sz="7333" b="1" dirty="0">
+              <a:rPr lang="zh-CN" altLang="en-US" sz="7333" b="1" dirty="0" smtClean="0">
                 <a:solidFill>
-                  <a:schemeClr val="accent6">
-                    <a:lumMod val="50000"/>
-                  </a:schemeClr>
+                  <a:srgbClr val="000066"/>
                 </a:solidFill>
+                <a:effectLst>
+                  <a:outerShdw blurRad="38100" dist="38100" dir="2700000" algn="tl">
+                    <a:srgbClr val="000000">
+                      <a:alpha val="43137"/>
+                    </a:srgbClr>
+                  </a:outerShdw>
+                </a:effectLst>
                 <a:latin typeface="Microsoft JhengHei" panose="020B0604030504040204" pitchFamily="34" charset="-120"/>
                 <a:ea typeface="Microsoft JhengHei" panose="020B0604030504040204" pitchFamily="34" charset="-120"/>
               </a:rPr>
-              <a:t>月份收支報告</a:t>
+              <a:t>月  份</a:t>
+            </a:r>
+            <a:r>
+              <a:rPr lang="zh-CN" altLang="en-US" sz="7333" b="1" dirty="0">
+                <a:solidFill>
+                  <a:srgbClr val="000066"/>
+                </a:solidFill>
+                <a:effectLst>
+                  <a:outerShdw blurRad="38100" dist="38100" dir="2700000" algn="tl">
+                    <a:srgbClr val="000000">
+                      <a:alpha val="43137"/>
+                    </a:srgbClr>
+                  </a:outerShdw>
+                </a:effectLst>
+                <a:latin typeface="Microsoft JhengHei" panose="020B0604030504040204" pitchFamily="34" charset="-120"/>
+                <a:ea typeface="Microsoft JhengHei" panose="020B0604030504040204" pitchFamily="34" charset="-120"/>
+              </a:rPr>
+              <a:t>收支報告</a:t>
             </a:r>
             <a:endParaRPr lang="en-US" sz="7333" b="1" dirty="0">
               <a:solidFill>
-                <a:schemeClr val="accent6">
-                  <a:lumMod val="50000"/>
-                </a:schemeClr>
+                <a:srgbClr val="000066"/>
               </a:solidFill>
+              <a:effectLst>
+                <a:outerShdw blurRad="38100" dist="38100" dir="2700000" algn="tl">
+                  <a:srgbClr val="000000">
+                    <a:alpha val="43137"/>
+                  </a:srgbClr>
+                </a:outerShdw>
+              </a:effectLst>
               <a:latin typeface="Microsoft JhengHei" panose="020B0604030504040204" pitchFamily="34" charset="-120"/>
               <a:ea typeface="Microsoft JhengHei" panose="020B0604030504040204" pitchFamily="34" charset="-120"/>
             </a:endParaRPr>
@@ -5974,7 +6032,7 @@
         </p:nvGraphicFramePr>
         <p:xfrm>
           <a:off x="815414" y="1220755"/>
-          <a:ext cx="10492119" cy="4739349"/>
+          <a:ext cx="10492118" cy="4865128"/>
         </p:xfrm>
         <a:graphic>
           <a:graphicData uri="http://schemas.openxmlformats.org/drawingml/2006/table">
@@ -6675,7 +6733,7 @@
         </p:nvGraphicFramePr>
         <p:xfrm>
           <a:off x="719403" y="1508788"/>
-          <a:ext cx="10753195" cy="4389843"/>
+          <a:ext cx="10753194" cy="4394923"/>
         </p:xfrm>
         <a:graphic>
           <a:graphicData uri="http://schemas.openxmlformats.org/drawingml/2006/table">
@@ -7365,12 +7423,16 @@
             <a:graphicFrameLocks noGrp="1"/>
           </p:cNvGraphicFramePr>
           <p:nvPr>
-            <p:extLst/>
+            <p:extLst>
+              <p:ext uri="{D42A27DB-BD31-4B8C-83A1-F6EECF244321}">
+                <p14:modId xmlns:p14="http://schemas.microsoft.com/office/powerpoint/2010/main" val="1773470346"/>
+              </p:ext>
+            </p:extLst>
           </p:nvPr>
         </p:nvGraphicFramePr>
         <p:xfrm>
-          <a:off x="623392" y="1220755"/>
-          <a:ext cx="10972800" cy="5217616"/>
+          <a:off x="1885323" y="1249330"/>
+          <a:ext cx="8448938" cy="5222696"/>
         </p:xfrm>
         <a:graphic>
           <a:graphicData uri="http://schemas.openxmlformats.org/drawingml/2006/table">
@@ -7400,13 +7462,6 @@
                     </a:ext>
                   </a:extLst>
                 </a:gridCol>
-                <a:gridCol w="2523861">
-                  <a:extLst>
-                    <a:ext uri="{9D8B030D-6E8A-4147-A177-3AD203B41FA5}">
-                      <a16:colId xmlns:a16="http://schemas.microsoft.com/office/drawing/2014/main" val="3394496144"/>
-                    </a:ext>
-                  </a:extLst>
-                </a:gridCol>
               </a:tblGrid>
               <a:tr h="502400">
                 <a:tc>
@@ -7576,85 +7631,6 @@
                           <a:cs typeface="+mn-cs"/>
                         </a:rPr>
                         <a:t>定存金額</a:t>
-                      </a:r>
-                      <a:endParaRPr lang="en-US" sz="2700" b="1" u="none" strike="noStrike" kern="1200" dirty="0">
-                        <a:solidFill>
-                          <a:schemeClr val="bg1"/>
-                        </a:solidFill>
-                        <a:effectLst/>
-                        <a:latin typeface="Microsoft JhengHei" panose="020B0604030504040204" pitchFamily="34" charset="-120"/>
-                        <a:ea typeface="Microsoft JhengHei" panose="020B0604030504040204" pitchFamily="34" charset="-120"/>
-                        <a:cs typeface="+mn-cs"/>
-                      </a:endParaRPr>
-                    </a:p>
-                  </a:txBody>
-                  <a:tcPr marL="12244" marR="12244" marT="48000" marB="48000" anchor="ctr">
-                    <a:lnL w="12700" cap="flat" cmpd="sng" algn="ctr">
-                      <a:solidFill>
-                        <a:schemeClr val="tx1"/>
-                      </a:solidFill>
-                      <a:prstDash val="solid"/>
-                      <a:round/>
-                      <a:headEnd type="none" w="med" len="med"/>
-                      <a:tailEnd type="none" w="med" len="med"/>
-                    </a:lnL>
-                    <a:lnR w="12700" cap="flat" cmpd="sng" algn="ctr">
-                      <a:solidFill>
-                        <a:schemeClr val="tx1"/>
-                      </a:solidFill>
-                      <a:prstDash val="solid"/>
-                      <a:round/>
-                      <a:headEnd type="none" w="med" len="med"/>
-                      <a:tailEnd type="none" w="med" len="med"/>
-                    </a:lnR>
-                    <a:lnT w="12700" cap="flat" cmpd="sng" algn="ctr">
-                      <a:solidFill>
-                        <a:schemeClr val="tx1"/>
-                      </a:solidFill>
-                      <a:prstDash val="solid"/>
-                      <a:round/>
-                      <a:headEnd type="none" w="med" len="med"/>
-                      <a:tailEnd type="none" w="med" len="med"/>
-                    </a:lnT>
-                    <a:lnB w="12700" cap="flat" cmpd="sng" algn="ctr">
-                      <a:solidFill>
-                        <a:schemeClr val="tx1"/>
-                      </a:solidFill>
-                      <a:prstDash val="solid"/>
-                      <a:round/>
-                      <a:headEnd type="none" w="med" len="med"/>
-                      <a:tailEnd type="none" w="med" len="med"/>
-                    </a:lnB>
-                    <a:lnTlToBr w="12700" cmpd="sng">
-                      <a:noFill/>
-                      <a:prstDash val="solid"/>
-                    </a:lnTlToBr>
-                    <a:lnBlToTr w="12700" cmpd="sng">
-                      <a:noFill/>
-                      <a:prstDash val="solid"/>
-                    </a:lnBlToTr>
-                    <a:solidFill>
-                      <a:srgbClr val="000066"/>
-                    </a:solidFill>
-                  </a:tcPr>
-                </a:tc>
-                <a:tc>
-                  <a:txBody>
-                    <a:bodyPr/>
-                    <a:lstStyle/>
-                    <a:p>
-                      <a:pPr algn="ctr" fontAlgn="b"/>
-                      <a:r>
-                        <a:rPr lang="zh-CN" altLang="en-US" sz="2700" b="1" u="none" strike="noStrike" kern="1200" dirty="0">
-                          <a:solidFill>
-                            <a:schemeClr val="bg1"/>
-                          </a:solidFill>
-                          <a:effectLst/>
-                          <a:latin typeface="Microsoft JhengHei" panose="020B0604030504040204" pitchFamily="34" charset="-120"/>
-                          <a:ea typeface="Microsoft JhengHei" panose="020B0604030504040204" pitchFamily="34" charset="-120"/>
-                          <a:cs typeface="+mn-cs"/>
-                        </a:rPr>
-                        <a:t>存款利率</a:t>
                       </a:r>
                       <a:endParaRPr lang="en-US" sz="2700" b="1" u="none" strike="noStrike" kern="1200" dirty="0">
                         <a:solidFill>
@@ -7932,74 +7908,6 @@
                     </a:lnBlToTr>
                   </a:tcPr>
                 </a:tc>
-                <a:tc>
-                  <a:txBody>
-                    <a:bodyPr/>
-                    <a:lstStyle/>
-                    <a:p>
-                      <a:pPr algn="ctr" fontAlgn="b"/>
-                      <a:r>
-                        <a:rPr lang="en-US" sz="2500" u="none" strike="noStrike" dirty="0">
-                          <a:effectLst/>
-                        </a:rPr>
-                        <a:t>6.40%</a:t>
-                      </a:r>
-                      <a:endParaRPr lang="en-US" sz="2500" b="0" i="0" u="none" strike="noStrike" dirty="0">
-                        <a:solidFill>
-                          <a:srgbClr val="000000"/>
-                        </a:solidFill>
-                        <a:effectLst/>
-                        <a:latin typeface="Calibri" panose="020F0502020204030204" pitchFamily="34" charset="0"/>
-                      </a:endParaRPr>
-                    </a:p>
-                  </a:txBody>
-                  <a:tcPr marL="0" marR="0" marT="0" marB="0" anchor="ctr">
-                    <a:lnL w="12700" cap="flat" cmpd="sng" algn="ctr">
-                      <a:solidFill>
-                        <a:schemeClr val="tx1"/>
-                      </a:solidFill>
-                      <a:prstDash val="solid"/>
-                      <a:round/>
-                      <a:headEnd type="none" w="med" len="med"/>
-                      <a:tailEnd type="none" w="med" len="med"/>
-                    </a:lnL>
-                    <a:lnR w="12700" cap="flat" cmpd="sng" algn="ctr">
-                      <a:solidFill>
-                        <a:schemeClr val="tx1"/>
-                      </a:solidFill>
-                      <a:prstDash val="solid"/>
-                      <a:round/>
-                      <a:headEnd type="none" w="med" len="med"/>
-                      <a:tailEnd type="none" w="med" len="med"/>
-                    </a:lnR>
-                    <a:lnT w="12700" cap="flat" cmpd="sng" algn="ctr">
-                      <a:solidFill>
-                        <a:schemeClr val="tx1"/>
-                      </a:solidFill>
-                      <a:prstDash val="solid"/>
-                      <a:round/>
-                      <a:headEnd type="none" w="med" len="med"/>
-                      <a:tailEnd type="none" w="med" len="med"/>
-                    </a:lnT>
-                    <a:lnB w="12700" cap="flat" cmpd="sng" algn="ctr">
-                      <a:solidFill>
-                        <a:schemeClr val="tx1"/>
-                      </a:solidFill>
-                      <a:prstDash val="solid"/>
-                      <a:round/>
-                      <a:headEnd type="none" w="med" len="med"/>
-                      <a:tailEnd type="none" w="med" len="med"/>
-                    </a:lnB>
-                    <a:lnTlToBr w="12700" cmpd="sng">
-                      <a:noFill/>
-                      <a:prstDash val="solid"/>
-                    </a:lnTlToBr>
-                    <a:lnBlToTr w="12700" cmpd="sng">
-                      <a:noFill/>
-                      <a:prstDash val="solid"/>
-                    </a:lnBlToTr>
-                  </a:tcPr>
-                </a:tc>
                 <a:extLst>
                   <a:ext uri="{0D108BD9-81ED-4DB2-BD59-A6C34878D82A}">
                     <a16:rowId xmlns:a16="http://schemas.microsoft.com/office/drawing/2014/main" val="953431521"/>
@@ -8211,74 +8119,6 @@
                     </a:lnBlToTr>
                   </a:tcPr>
                 </a:tc>
-                <a:tc>
-                  <a:txBody>
-                    <a:bodyPr/>
-                    <a:lstStyle/>
-                    <a:p>
-                      <a:pPr algn="ctr" fontAlgn="b"/>
-                      <a:r>
-                        <a:rPr lang="en-US" sz="2500" u="none" strike="noStrike" dirty="0">
-                          <a:effectLst/>
-                        </a:rPr>
-                        <a:t>6.40%</a:t>
-                      </a:r>
-                      <a:endParaRPr lang="en-US" sz="2500" b="0" i="0" u="none" strike="noStrike" dirty="0">
-                        <a:solidFill>
-                          <a:srgbClr val="000000"/>
-                        </a:solidFill>
-                        <a:effectLst/>
-                        <a:latin typeface="Calibri" panose="020F0502020204030204" pitchFamily="34" charset="0"/>
-                      </a:endParaRPr>
-                    </a:p>
-                  </a:txBody>
-                  <a:tcPr marL="0" marR="0" marT="0" marB="0" anchor="ctr">
-                    <a:lnL w="12700" cap="flat" cmpd="sng" algn="ctr">
-                      <a:solidFill>
-                        <a:schemeClr val="tx1"/>
-                      </a:solidFill>
-                      <a:prstDash val="solid"/>
-                      <a:round/>
-                      <a:headEnd type="none" w="med" len="med"/>
-                      <a:tailEnd type="none" w="med" len="med"/>
-                    </a:lnL>
-                    <a:lnR w="12700" cap="flat" cmpd="sng" algn="ctr">
-                      <a:solidFill>
-                        <a:schemeClr val="tx1"/>
-                      </a:solidFill>
-                      <a:prstDash val="solid"/>
-                      <a:round/>
-                      <a:headEnd type="none" w="med" len="med"/>
-                      <a:tailEnd type="none" w="med" len="med"/>
-                    </a:lnR>
-                    <a:lnT w="12700" cap="flat" cmpd="sng" algn="ctr">
-                      <a:solidFill>
-                        <a:schemeClr val="tx1"/>
-                      </a:solidFill>
-                      <a:prstDash val="solid"/>
-                      <a:round/>
-                      <a:headEnd type="none" w="med" len="med"/>
-                      <a:tailEnd type="none" w="med" len="med"/>
-                    </a:lnT>
-                    <a:lnB w="12700" cap="flat" cmpd="sng" algn="ctr">
-                      <a:solidFill>
-                        <a:schemeClr val="tx1"/>
-                      </a:solidFill>
-                      <a:prstDash val="solid"/>
-                      <a:round/>
-                      <a:headEnd type="none" w="med" len="med"/>
-                      <a:tailEnd type="none" w="med" len="med"/>
-                    </a:lnB>
-                    <a:lnTlToBr w="12700" cmpd="sng">
-                      <a:noFill/>
-                      <a:prstDash val="solid"/>
-                    </a:lnTlToBr>
-                    <a:lnBlToTr w="12700" cmpd="sng">
-                      <a:noFill/>
-                      <a:prstDash val="solid"/>
-                    </a:lnBlToTr>
-                  </a:tcPr>
-                </a:tc>
                 <a:extLst>
                   <a:ext uri="{0D108BD9-81ED-4DB2-BD59-A6C34878D82A}">
                     <a16:rowId xmlns:a16="http://schemas.microsoft.com/office/drawing/2014/main" val="1654646616"/>
@@ -8490,74 +8330,6 @@
                     </a:lnBlToTr>
                   </a:tcPr>
                 </a:tc>
-                <a:tc>
-                  <a:txBody>
-                    <a:bodyPr/>
-                    <a:lstStyle/>
-                    <a:p>
-                      <a:pPr algn="ctr" fontAlgn="b"/>
-                      <a:r>
-                        <a:rPr lang="en-US" sz="2500" u="none" strike="noStrike" dirty="0" smtClean="0">
-                          <a:effectLst/>
-                        </a:rPr>
-                        <a:t>5.00%</a:t>
-                      </a:r>
-                      <a:endParaRPr lang="en-US" sz="2500" b="0" i="0" u="none" strike="noStrike" dirty="0">
-                        <a:solidFill>
-                          <a:srgbClr val="000000"/>
-                        </a:solidFill>
-                        <a:effectLst/>
-                        <a:latin typeface="Calibri" panose="020F0502020204030204" pitchFamily="34" charset="0"/>
-                      </a:endParaRPr>
-                    </a:p>
-                  </a:txBody>
-                  <a:tcPr marL="0" marR="0" marT="0" marB="0" anchor="ctr">
-                    <a:lnL w="12700" cap="flat" cmpd="sng" algn="ctr">
-                      <a:solidFill>
-                        <a:schemeClr val="tx1"/>
-                      </a:solidFill>
-                      <a:prstDash val="solid"/>
-                      <a:round/>
-                      <a:headEnd type="none" w="med" len="med"/>
-                      <a:tailEnd type="none" w="med" len="med"/>
-                    </a:lnL>
-                    <a:lnR w="12700" cap="flat" cmpd="sng" algn="ctr">
-                      <a:solidFill>
-                        <a:schemeClr val="tx1"/>
-                      </a:solidFill>
-                      <a:prstDash val="solid"/>
-                      <a:round/>
-                      <a:headEnd type="none" w="med" len="med"/>
-                      <a:tailEnd type="none" w="med" len="med"/>
-                    </a:lnR>
-                    <a:lnT w="12700" cap="flat" cmpd="sng" algn="ctr">
-                      <a:solidFill>
-                        <a:schemeClr val="tx1"/>
-                      </a:solidFill>
-                      <a:prstDash val="solid"/>
-                      <a:round/>
-                      <a:headEnd type="none" w="med" len="med"/>
-                      <a:tailEnd type="none" w="med" len="med"/>
-                    </a:lnT>
-                    <a:lnB w="12700" cap="flat" cmpd="sng" algn="ctr">
-                      <a:solidFill>
-                        <a:schemeClr val="tx1"/>
-                      </a:solidFill>
-                      <a:prstDash val="solid"/>
-                      <a:round/>
-                      <a:headEnd type="none" w="med" len="med"/>
-                      <a:tailEnd type="none" w="med" len="med"/>
-                    </a:lnB>
-                    <a:lnTlToBr w="12700" cmpd="sng">
-                      <a:noFill/>
-                      <a:prstDash val="solid"/>
-                    </a:lnTlToBr>
-                    <a:lnBlToTr w="12700" cmpd="sng">
-                      <a:noFill/>
-                      <a:prstDash val="solid"/>
-                    </a:lnBlToTr>
-                  </a:tcPr>
-                </a:tc>
                 <a:extLst>
                   <a:ext uri="{0D108BD9-81ED-4DB2-BD59-A6C34878D82A}">
                     <a16:rowId xmlns:a16="http://schemas.microsoft.com/office/drawing/2014/main" val="2432909106"/>
@@ -8778,74 +8550,6 @@
                     </a:lnBlToTr>
                   </a:tcPr>
                 </a:tc>
-                <a:tc>
-                  <a:txBody>
-                    <a:bodyPr/>
-                    <a:lstStyle/>
-                    <a:p>
-                      <a:pPr algn="ctr" fontAlgn="b"/>
-                      <a:r>
-                        <a:rPr lang="en-US" sz="2500" u="none" strike="noStrike" dirty="0">
-                          <a:effectLst/>
-                        </a:rPr>
-                        <a:t>5.50%</a:t>
-                      </a:r>
-                      <a:endParaRPr lang="en-US" sz="2500" b="0" i="0" u="none" strike="noStrike" dirty="0">
-                        <a:solidFill>
-                          <a:srgbClr val="000000"/>
-                        </a:solidFill>
-                        <a:effectLst/>
-                        <a:latin typeface="Calibri" panose="020F0502020204030204" pitchFamily="34" charset="0"/>
-                      </a:endParaRPr>
-                    </a:p>
-                  </a:txBody>
-                  <a:tcPr marL="0" marR="0" marT="0" marB="0" anchor="ctr">
-                    <a:lnL w="12700" cap="flat" cmpd="sng" algn="ctr">
-                      <a:solidFill>
-                        <a:schemeClr val="tx1"/>
-                      </a:solidFill>
-                      <a:prstDash val="solid"/>
-                      <a:round/>
-                      <a:headEnd type="none" w="med" len="med"/>
-                      <a:tailEnd type="none" w="med" len="med"/>
-                    </a:lnL>
-                    <a:lnR w="12700" cap="flat" cmpd="sng" algn="ctr">
-                      <a:solidFill>
-                        <a:schemeClr val="tx1"/>
-                      </a:solidFill>
-                      <a:prstDash val="solid"/>
-                      <a:round/>
-                      <a:headEnd type="none" w="med" len="med"/>
-                      <a:tailEnd type="none" w="med" len="med"/>
-                    </a:lnR>
-                    <a:lnT w="12700" cap="flat" cmpd="sng" algn="ctr">
-                      <a:solidFill>
-                        <a:schemeClr val="tx1"/>
-                      </a:solidFill>
-                      <a:prstDash val="solid"/>
-                      <a:round/>
-                      <a:headEnd type="none" w="med" len="med"/>
-                      <a:tailEnd type="none" w="med" len="med"/>
-                    </a:lnT>
-                    <a:lnB w="12700" cap="flat" cmpd="sng" algn="ctr">
-                      <a:solidFill>
-                        <a:schemeClr val="tx1"/>
-                      </a:solidFill>
-                      <a:prstDash val="solid"/>
-                      <a:round/>
-                      <a:headEnd type="none" w="med" len="med"/>
-                      <a:tailEnd type="none" w="med" len="med"/>
-                    </a:lnB>
-                    <a:lnTlToBr w="12700" cmpd="sng">
-                      <a:noFill/>
-                      <a:prstDash val="solid"/>
-                    </a:lnTlToBr>
-                    <a:lnBlToTr w="12700" cmpd="sng">
-                      <a:noFill/>
-                      <a:prstDash val="solid"/>
-                    </a:lnBlToTr>
-                  </a:tcPr>
-                </a:tc>
                 <a:extLst>
                   <a:ext uri="{0D108BD9-81ED-4DB2-BD59-A6C34878D82A}">
                     <a16:rowId xmlns:a16="http://schemas.microsoft.com/office/drawing/2014/main" val="3911735079"/>
@@ -9057,74 +8761,6 @@
                     </a:lnBlToTr>
                   </a:tcPr>
                 </a:tc>
-                <a:tc>
-                  <a:txBody>
-                    <a:bodyPr/>
-                    <a:lstStyle/>
-                    <a:p>
-                      <a:pPr algn="ctr" fontAlgn="b"/>
-                      <a:r>
-                        <a:rPr lang="en-US" sz="2500" u="none" strike="noStrike" dirty="0">
-                          <a:effectLst/>
-                        </a:rPr>
-                        <a:t>5.50%</a:t>
-                      </a:r>
-                      <a:endParaRPr lang="en-US" sz="2500" b="0" i="0" u="none" strike="noStrike" dirty="0">
-                        <a:solidFill>
-                          <a:srgbClr val="000000"/>
-                        </a:solidFill>
-                        <a:effectLst/>
-                        <a:latin typeface="Calibri" panose="020F0502020204030204" pitchFamily="34" charset="0"/>
-                      </a:endParaRPr>
-                    </a:p>
-                  </a:txBody>
-                  <a:tcPr marL="0" marR="0" marT="0" marB="0" anchor="ctr">
-                    <a:lnL w="12700" cap="flat" cmpd="sng" algn="ctr">
-                      <a:solidFill>
-                        <a:schemeClr val="tx1"/>
-                      </a:solidFill>
-                      <a:prstDash val="solid"/>
-                      <a:round/>
-                      <a:headEnd type="none" w="med" len="med"/>
-                      <a:tailEnd type="none" w="med" len="med"/>
-                    </a:lnL>
-                    <a:lnR w="12700" cap="flat" cmpd="sng" algn="ctr">
-                      <a:solidFill>
-                        <a:schemeClr val="tx1"/>
-                      </a:solidFill>
-                      <a:prstDash val="solid"/>
-                      <a:round/>
-                      <a:headEnd type="none" w="med" len="med"/>
-                      <a:tailEnd type="none" w="med" len="med"/>
-                    </a:lnR>
-                    <a:lnT w="12700" cap="flat" cmpd="sng" algn="ctr">
-                      <a:solidFill>
-                        <a:schemeClr val="tx1"/>
-                      </a:solidFill>
-                      <a:prstDash val="solid"/>
-                      <a:round/>
-                      <a:headEnd type="none" w="med" len="med"/>
-                      <a:tailEnd type="none" w="med" len="med"/>
-                    </a:lnT>
-                    <a:lnB w="12700" cap="flat" cmpd="sng" algn="ctr">
-                      <a:solidFill>
-                        <a:schemeClr val="tx1"/>
-                      </a:solidFill>
-                      <a:prstDash val="solid"/>
-                      <a:round/>
-                      <a:headEnd type="none" w="med" len="med"/>
-                      <a:tailEnd type="none" w="med" len="med"/>
-                    </a:lnB>
-                    <a:lnTlToBr w="12700" cmpd="sng">
-                      <a:noFill/>
-                      <a:prstDash val="solid"/>
-                    </a:lnTlToBr>
-                    <a:lnBlToTr w="12700" cmpd="sng">
-                      <a:noFill/>
-                      <a:prstDash val="solid"/>
-                    </a:lnBlToTr>
-                  </a:tcPr>
-                </a:tc>
                 <a:extLst>
                   <a:ext uri="{0D108BD9-81ED-4DB2-BD59-A6C34878D82A}">
                     <a16:rowId xmlns:a16="http://schemas.microsoft.com/office/drawing/2014/main" val="207358495"/>
@@ -9336,74 +8972,6 @@
                     </a:lnBlToTr>
                   </a:tcPr>
                 </a:tc>
-                <a:tc>
-                  <a:txBody>
-                    <a:bodyPr/>
-                    <a:lstStyle/>
-                    <a:p>
-                      <a:pPr algn="ctr" fontAlgn="b"/>
-                      <a:r>
-                        <a:rPr lang="en-US" sz="2500" u="none" strike="noStrike" dirty="0">
-                          <a:effectLst/>
-                        </a:rPr>
-                        <a:t>6.50%</a:t>
-                      </a:r>
-                      <a:endParaRPr lang="en-US" sz="2500" b="0" i="0" u="none" strike="noStrike" dirty="0">
-                        <a:solidFill>
-                          <a:srgbClr val="000000"/>
-                        </a:solidFill>
-                        <a:effectLst/>
-                        <a:latin typeface="Calibri" panose="020F0502020204030204" pitchFamily="34" charset="0"/>
-                      </a:endParaRPr>
-                    </a:p>
-                  </a:txBody>
-                  <a:tcPr marL="0" marR="0" marT="0" marB="0" anchor="ctr">
-                    <a:lnL w="12700" cap="flat" cmpd="sng" algn="ctr">
-                      <a:solidFill>
-                        <a:schemeClr val="tx1"/>
-                      </a:solidFill>
-                      <a:prstDash val="solid"/>
-                      <a:round/>
-                      <a:headEnd type="none" w="med" len="med"/>
-                      <a:tailEnd type="none" w="med" len="med"/>
-                    </a:lnL>
-                    <a:lnR w="12700" cap="flat" cmpd="sng" algn="ctr">
-                      <a:solidFill>
-                        <a:schemeClr val="tx1"/>
-                      </a:solidFill>
-                      <a:prstDash val="solid"/>
-                      <a:round/>
-                      <a:headEnd type="none" w="med" len="med"/>
-                      <a:tailEnd type="none" w="med" len="med"/>
-                    </a:lnR>
-                    <a:lnT w="12700" cap="flat" cmpd="sng" algn="ctr">
-                      <a:solidFill>
-                        <a:schemeClr val="tx1"/>
-                      </a:solidFill>
-                      <a:prstDash val="solid"/>
-                      <a:round/>
-                      <a:headEnd type="none" w="med" len="med"/>
-                      <a:tailEnd type="none" w="med" len="med"/>
-                    </a:lnT>
-                    <a:lnB w="12700" cap="flat" cmpd="sng" algn="ctr">
-                      <a:solidFill>
-                        <a:schemeClr val="tx1"/>
-                      </a:solidFill>
-                      <a:prstDash val="solid"/>
-                      <a:round/>
-                      <a:headEnd type="none" w="med" len="med"/>
-                      <a:tailEnd type="none" w="med" len="med"/>
-                    </a:lnB>
-                    <a:lnTlToBr w="12700" cmpd="sng">
-                      <a:noFill/>
-                      <a:prstDash val="solid"/>
-                    </a:lnTlToBr>
-                    <a:lnBlToTr w="12700" cmpd="sng">
-                      <a:noFill/>
-                      <a:prstDash val="solid"/>
-                    </a:lnBlToTr>
-                  </a:tcPr>
-                </a:tc>
                 <a:extLst>
                   <a:ext uri="{0D108BD9-81ED-4DB2-BD59-A6C34878D82A}">
                     <a16:rowId xmlns:a16="http://schemas.microsoft.com/office/drawing/2014/main" val="2662332739"/>
@@ -9615,74 +9183,6 @@
                     </a:lnBlToTr>
                   </a:tcPr>
                 </a:tc>
-                <a:tc>
-                  <a:txBody>
-                    <a:bodyPr/>
-                    <a:lstStyle/>
-                    <a:p>
-                      <a:pPr algn="ctr" fontAlgn="b"/>
-                      <a:r>
-                        <a:rPr lang="en-US" sz="2500" u="none" strike="noStrike" dirty="0">
-                          <a:effectLst/>
-                        </a:rPr>
-                        <a:t>5.10%</a:t>
-                      </a:r>
-                      <a:endParaRPr lang="en-US" sz="2500" b="0" i="0" u="none" strike="noStrike" dirty="0">
-                        <a:solidFill>
-                          <a:srgbClr val="000000"/>
-                        </a:solidFill>
-                        <a:effectLst/>
-                        <a:latin typeface="Calibri" panose="020F0502020204030204" pitchFamily="34" charset="0"/>
-                      </a:endParaRPr>
-                    </a:p>
-                  </a:txBody>
-                  <a:tcPr marL="0" marR="0" marT="0" marB="0" anchor="ctr">
-                    <a:lnL w="12700" cap="flat" cmpd="sng" algn="ctr">
-                      <a:solidFill>
-                        <a:schemeClr val="tx1"/>
-                      </a:solidFill>
-                      <a:prstDash val="solid"/>
-                      <a:round/>
-                      <a:headEnd type="none" w="med" len="med"/>
-                      <a:tailEnd type="none" w="med" len="med"/>
-                    </a:lnL>
-                    <a:lnR w="12700" cap="flat" cmpd="sng" algn="ctr">
-                      <a:solidFill>
-                        <a:schemeClr val="tx1"/>
-                      </a:solidFill>
-                      <a:prstDash val="solid"/>
-                      <a:round/>
-                      <a:headEnd type="none" w="med" len="med"/>
-                      <a:tailEnd type="none" w="med" len="med"/>
-                    </a:lnR>
-                    <a:lnT w="12700" cap="flat" cmpd="sng" algn="ctr">
-                      <a:solidFill>
-                        <a:schemeClr val="tx1"/>
-                      </a:solidFill>
-                      <a:prstDash val="solid"/>
-                      <a:round/>
-                      <a:headEnd type="none" w="med" len="med"/>
-                      <a:tailEnd type="none" w="med" len="med"/>
-                    </a:lnT>
-                    <a:lnB w="12700" cap="flat" cmpd="sng" algn="ctr">
-                      <a:solidFill>
-                        <a:schemeClr val="tx1"/>
-                      </a:solidFill>
-                      <a:prstDash val="solid"/>
-                      <a:round/>
-                      <a:headEnd type="none" w="med" len="med"/>
-                      <a:tailEnd type="none" w="med" len="med"/>
-                    </a:lnB>
-                    <a:lnTlToBr w="12700" cmpd="sng">
-                      <a:noFill/>
-                      <a:prstDash val="solid"/>
-                    </a:lnTlToBr>
-                    <a:lnBlToTr w="12700" cmpd="sng">
-                      <a:noFill/>
-                      <a:prstDash val="solid"/>
-                    </a:lnBlToTr>
-                  </a:tcPr>
-                </a:tc>
                 <a:extLst>
                   <a:ext uri="{0D108BD9-81ED-4DB2-BD59-A6C34878D82A}">
                     <a16:rowId xmlns:a16="http://schemas.microsoft.com/office/drawing/2014/main" val="3076130752"/>
@@ -9894,74 +9394,6 @@
                     </a:lnBlToTr>
                   </a:tcPr>
                 </a:tc>
-                <a:tc>
-                  <a:txBody>
-                    <a:bodyPr/>
-                    <a:lstStyle/>
-                    <a:p>
-                      <a:pPr algn="ctr" fontAlgn="b"/>
-                      <a:r>
-                        <a:rPr lang="en-US" sz="2500" u="none" strike="noStrike" dirty="0">
-                          <a:effectLst/>
-                        </a:rPr>
-                        <a:t>4.40%</a:t>
-                      </a:r>
-                      <a:endParaRPr lang="en-US" sz="2500" b="0" i="0" u="none" strike="noStrike" dirty="0">
-                        <a:solidFill>
-                          <a:srgbClr val="000000"/>
-                        </a:solidFill>
-                        <a:effectLst/>
-                        <a:latin typeface="Calibri" panose="020F0502020204030204" pitchFamily="34" charset="0"/>
-                      </a:endParaRPr>
-                    </a:p>
-                  </a:txBody>
-                  <a:tcPr marL="0" marR="0" marT="0" marB="0" anchor="ctr">
-                    <a:lnL w="12700" cap="flat" cmpd="sng" algn="ctr">
-                      <a:solidFill>
-                        <a:schemeClr val="tx1"/>
-                      </a:solidFill>
-                      <a:prstDash val="solid"/>
-                      <a:round/>
-                      <a:headEnd type="none" w="med" len="med"/>
-                      <a:tailEnd type="none" w="med" len="med"/>
-                    </a:lnL>
-                    <a:lnR w="12700" cap="flat" cmpd="sng" algn="ctr">
-                      <a:solidFill>
-                        <a:schemeClr val="tx1"/>
-                      </a:solidFill>
-                      <a:prstDash val="solid"/>
-                      <a:round/>
-                      <a:headEnd type="none" w="med" len="med"/>
-                      <a:tailEnd type="none" w="med" len="med"/>
-                    </a:lnR>
-                    <a:lnT w="12700" cap="flat" cmpd="sng" algn="ctr">
-                      <a:solidFill>
-                        <a:schemeClr val="tx1"/>
-                      </a:solidFill>
-                      <a:prstDash val="solid"/>
-                      <a:round/>
-                      <a:headEnd type="none" w="med" len="med"/>
-                      <a:tailEnd type="none" w="med" len="med"/>
-                    </a:lnT>
-                    <a:lnB w="12700" cap="flat" cmpd="sng" algn="ctr">
-                      <a:solidFill>
-                        <a:schemeClr val="tx1"/>
-                      </a:solidFill>
-                      <a:prstDash val="solid"/>
-                      <a:round/>
-                      <a:headEnd type="none" w="med" len="med"/>
-                      <a:tailEnd type="none" w="med" len="med"/>
-                    </a:lnB>
-                    <a:lnTlToBr w="12700" cmpd="sng">
-                      <a:noFill/>
-                      <a:prstDash val="solid"/>
-                    </a:lnTlToBr>
-                    <a:lnBlToTr w="12700" cmpd="sng">
-                      <a:noFill/>
-                      <a:prstDash val="solid"/>
-                    </a:lnBlToTr>
-                  </a:tcPr>
-                </a:tc>
                 <a:extLst>
                   <a:ext uri="{0D108BD9-81ED-4DB2-BD59-A6C34878D82A}">
                     <a16:rowId xmlns:a16="http://schemas.microsoft.com/office/drawing/2014/main" val="2761290952"/>
@@ -10173,74 +9605,6 @@
                     </a:lnBlToTr>
                   </a:tcPr>
                 </a:tc>
-                <a:tc>
-                  <a:txBody>
-                    <a:bodyPr/>
-                    <a:lstStyle/>
-                    <a:p>
-                      <a:pPr algn="ctr" fontAlgn="b"/>
-                      <a:r>
-                        <a:rPr lang="en-US" sz="2500" u="none" strike="noStrike" dirty="0">
-                          <a:effectLst/>
-                        </a:rPr>
-                        <a:t>3.00%</a:t>
-                      </a:r>
-                      <a:endParaRPr lang="en-US" sz="2500" b="0" i="0" u="none" strike="noStrike" dirty="0">
-                        <a:solidFill>
-                          <a:srgbClr val="000000"/>
-                        </a:solidFill>
-                        <a:effectLst/>
-                        <a:latin typeface="Calibri" panose="020F0502020204030204" pitchFamily="34" charset="0"/>
-                      </a:endParaRPr>
-                    </a:p>
-                  </a:txBody>
-                  <a:tcPr marL="0" marR="0" marT="0" marB="0" anchor="ctr">
-                    <a:lnL w="12700" cap="flat" cmpd="sng" algn="ctr">
-                      <a:solidFill>
-                        <a:schemeClr val="tx1"/>
-                      </a:solidFill>
-                      <a:prstDash val="solid"/>
-                      <a:round/>
-                      <a:headEnd type="none" w="med" len="med"/>
-                      <a:tailEnd type="none" w="med" len="med"/>
-                    </a:lnL>
-                    <a:lnR w="12700" cap="flat" cmpd="sng" algn="ctr">
-                      <a:solidFill>
-                        <a:schemeClr val="tx1"/>
-                      </a:solidFill>
-                      <a:prstDash val="solid"/>
-                      <a:round/>
-                      <a:headEnd type="none" w="med" len="med"/>
-                      <a:tailEnd type="none" w="med" len="med"/>
-                    </a:lnR>
-                    <a:lnT w="12700" cap="flat" cmpd="sng" algn="ctr">
-                      <a:solidFill>
-                        <a:schemeClr val="tx1"/>
-                      </a:solidFill>
-                      <a:prstDash val="solid"/>
-                      <a:round/>
-                      <a:headEnd type="none" w="med" len="med"/>
-                      <a:tailEnd type="none" w="med" len="med"/>
-                    </a:lnT>
-                    <a:lnB w="12700" cap="flat" cmpd="sng" algn="ctr">
-                      <a:solidFill>
-                        <a:schemeClr val="tx1"/>
-                      </a:solidFill>
-                      <a:prstDash val="solid"/>
-                      <a:round/>
-                      <a:headEnd type="none" w="med" len="med"/>
-                      <a:tailEnd type="none" w="med" len="med"/>
-                    </a:lnB>
-                    <a:lnTlToBr w="12700" cmpd="sng">
-                      <a:noFill/>
-                      <a:prstDash val="solid"/>
-                    </a:lnTlToBr>
-                    <a:lnBlToTr w="12700" cmpd="sng">
-                      <a:noFill/>
-                      <a:prstDash val="solid"/>
-                    </a:lnBlToTr>
-                  </a:tcPr>
-                </a:tc>
                 <a:extLst>
                   <a:ext uri="{0D108BD9-81ED-4DB2-BD59-A6C34878D82A}">
                     <a16:rowId xmlns:a16="http://schemas.microsoft.com/office/drawing/2014/main" val="2265173122"/>
@@ -10452,74 +9816,6 @@
                     </a:lnBlToTr>
                   </a:tcPr>
                 </a:tc>
-                <a:tc>
-                  <a:txBody>
-                    <a:bodyPr/>
-                    <a:lstStyle/>
-                    <a:p>
-                      <a:pPr algn="ctr" fontAlgn="b"/>
-                      <a:r>
-                        <a:rPr lang="en-US" sz="2500" u="none" strike="noStrike" dirty="0">
-                          <a:effectLst/>
-                        </a:rPr>
-                        <a:t>3.00%</a:t>
-                      </a:r>
-                      <a:endParaRPr lang="en-US" sz="2500" b="0" i="0" u="none" strike="noStrike" dirty="0">
-                        <a:solidFill>
-                          <a:srgbClr val="000000"/>
-                        </a:solidFill>
-                        <a:effectLst/>
-                        <a:latin typeface="Calibri" panose="020F0502020204030204" pitchFamily="34" charset="0"/>
-                      </a:endParaRPr>
-                    </a:p>
-                  </a:txBody>
-                  <a:tcPr marL="0" marR="0" marT="0" marB="0" anchor="ctr">
-                    <a:lnL w="12700" cap="flat" cmpd="sng" algn="ctr">
-                      <a:solidFill>
-                        <a:schemeClr val="tx1"/>
-                      </a:solidFill>
-                      <a:prstDash val="solid"/>
-                      <a:round/>
-                      <a:headEnd type="none" w="med" len="med"/>
-                      <a:tailEnd type="none" w="med" len="med"/>
-                    </a:lnL>
-                    <a:lnR w="12700" cap="flat" cmpd="sng" algn="ctr">
-                      <a:solidFill>
-                        <a:schemeClr val="tx1"/>
-                      </a:solidFill>
-                      <a:prstDash val="solid"/>
-                      <a:round/>
-                      <a:headEnd type="none" w="med" len="med"/>
-                      <a:tailEnd type="none" w="med" len="med"/>
-                    </a:lnR>
-                    <a:lnT w="12700" cap="flat" cmpd="sng" algn="ctr">
-                      <a:solidFill>
-                        <a:schemeClr val="tx1"/>
-                      </a:solidFill>
-                      <a:prstDash val="solid"/>
-                      <a:round/>
-                      <a:headEnd type="none" w="med" len="med"/>
-                      <a:tailEnd type="none" w="med" len="med"/>
-                    </a:lnT>
-                    <a:lnB w="12700" cap="flat" cmpd="sng" algn="ctr">
-                      <a:solidFill>
-                        <a:schemeClr val="tx1"/>
-                      </a:solidFill>
-                      <a:prstDash val="solid"/>
-                      <a:round/>
-                      <a:headEnd type="none" w="med" len="med"/>
-                      <a:tailEnd type="none" w="med" len="med"/>
-                    </a:lnB>
-                    <a:lnTlToBr w="12700" cmpd="sng">
-                      <a:noFill/>
-                      <a:prstDash val="solid"/>
-                    </a:lnTlToBr>
-                    <a:lnBlToTr w="12700" cmpd="sng">
-                      <a:noFill/>
-                      <a:prstDash val="solid"/>
-                    </a:lnBlToTr>
-                  </a:tcPr>
-                </a:tc>
                 <a:extLst>
                   <a:ext uri="{0D108BD9-81ED-4DB2-BD59-A6C34878D82A}">
                     <a16:rowId xmlns:a16="http://schemas.microsoft.com/office/drawing/2014/main" val="3672862073"/>
@@ -10696,74 +9992,6 @@
                     </a:p>
                   </a:txBody>
                   <a:tcPr marL="12244" marR="144000" marT="12244" marB="0" anchor="ctr">
-                    <a:lnL w="12700" cap="flat" cmpd="sng" algn="ctr">
-                      <a:solidFill>
-                        <a:schemeClr val="tx1"/>
-                      </a:solidFill>
-                      <a:prstDash val="solid"/>
-                      <a:round/>
-                      <a:headEnd type="none" w="med" len="med"/>
-                      <a:tailEnd type="none" w="med" len="med"/>
-                    </a:lnL>
-                    <a:lnR w="12700" cap="flat" cmpd="sng" algn="ctr">
-                      <a:solidFill>
-                        <a:schemeClr val="tx1"/>
-                      </a:solidFill>
-                      <a:prstDash val="solid"/>
-                      <a:round/>
-                      <a:headEnd type="none" w="med" len="med"/>
-                      <a:tailEnd type="none" w="med" len="med"/>
-                    </a:lnR>
-                    <a:lnT w="12700" cap="flat" cmpd="sng" algn="ctr">
-                      <a:solidFill>
-                        <a:schemeClr val="tx1"/>
-                      </a:solidFill>
-                      <a:prstDash val="solid"/>
-                      <a:round/>
-                      <a:headEnd type="none" w="med" len="med"/>
-                      <a:tailEnd type="none" w="med" len="med"/>
-                    </a:lnT>
-                    <a:lnB w="12700" cap="flat" cmpd="sng" algn="ctr">
-                      <a:solidFill>
-                        <a:schemeClr val="tx1"/>
-                      </a:solidFill>
-                      <a:prstDash val="solid"/>
-                      <a:round/>
-                      <a:headEnd type="none" w="med" len="med"/>
-                      <a:tailEnd type="none" w="med" len="med"/>
-                    </a:lnB>
-                    <a:lnTlToBr w="12700" cmpd="sng">
-                      <a:noFill/>
-                      <a:prstDash val="solid"/>
-                    </a:lnTlToBr>
-                    <a:lnBlToTr w="12700" cmpd="sng">
-                      <a:noFill/>
-                      <a:prstDash val="solid"/>
-                    </a:lnBlToTr>
-                  </a:tcPr>
-                </a:tc>
-                <a:tc>
-                  <a:txBody>
-                    <a:bodyPr/>
-                    <a:lstStyle/>
-                    <a:p>
-                      <a:pPr algn="ctr" fontAlgn="b"/>
-                      <a:r>
-                        <a:rPr lang="en-US" sz="2500" u="none" strike="noStrike" dirty="0">
-                          <a:effectLst/>
-                        </a:rPr>
-                        <a:t> </a:t>
-                      </a:r>
-                      <a:endParaRPr lang="en-US" sz="2500" b="0" i="0" u="none" strike="noStrike" dirty="0">
-                        <a:solidFill>
-                          <a:srgbClr val="000000"/>
-                        </a:solidFill>
-                        <a:effectLst/>
-                        <a:latin typeface="Calibri" panose="020F0502020204030204" pitchFamily="34" charset="0"/>
-                      </a:endParaRPr>
-                    </a:p>
-                  </a:txBody>
-                  <a:tcPr marL="0" marR="12244" marT="0" marB="0" anchor="ctr">
                     <a:lnL w="12700" cap="flat" cmpd="sng" algn="ctr">
                       <a:solidFill>
                         <a:schemeClr val="tx1"/>
